--- a/YaghoubZadeh 1402-2/Project/presentation/✨AI · Exploring ChatGPT as a Recommender System.pptx
+++ b/YaghoubZadeh 1402-2/Project/presentation/✨AI · Exploring ChatGPT as a Recommender System.pptx
@@ -983,6 +983,9 @@
   <p:clrMapOvr>
     <a:masterClrMapping/>
   </p:clrMapOvr>
+  <p:transition spd="slow">
+    <p:wipe/>
+  </p:transition>
 </p:sldLayout>
 </file>
 
@@ -1014,6 +1017,9 @@
   <p:sldLayoutIdLst>
     <p:sldLayoutId id="2147483649" r:id="rId1"/>
   </p:sldLayoutIdLst>
+  <p:transition spd="slow">
+    <p:wipe/>
+  </p:transition>
   <p:hf sldNum="0" hdr="0" ftr="0" dt="0"/>
   <p:txStyles>
     <p:titleStyle>
@@ -1621,6 +1627,9 @@
   <p:clrMapOvr>
     <a:masterClrMapping/>
   </p:clrMapOvr>
+  <p:transition spd="slow">
+    <p:wipe dir="r"/>
+  </p:transition>
 </p:sld>
 </file>
 
@@ -1810,6 +1819,9 @@
   <p:clrMapOvr>
     <a:masterClrMapping/>
   </p:clrMapOvr>
+  <p:transition spd="slow">
+    <p:wipe dir="r"/>
+  </p:transition>
 </p:sld>
 </file>
 
@@ -2038,6 +2050,9 @@
   <p:clrMapOvr>
     <a:masterClrMapping/>
   </p:clrMapOvr>
+  <p:transition spd="slow">
+    <p:wipe dir="r"/>
+  </p:transition>
 </p:sld>
 </file>
 
@@ -2193,6 +2208,9 @@
   <p:clrMapOvr>
     <a:masterClrMapping/>
   </p:clrMapOvr>
+  <p:transition spd="slow">
+    <p:wipe dir="r"/>
+  </p:transition>
 </p:sld>
 </file>
 
@@ -2467,6 +2485,9 @@
   <p:clrMapOvr>
     <a:masterClrMapping/>
   </p:clrMapOvr>
+  <p:transition spd="slow">
+    <p:wipe dir="r"/>
+  </p:transition>
 </p:sld>
 </file>
 
@@ -2830,7 +2851,7 @@
               <a:rPr lang="en-US" dirty="0">
                 <a:latin typeface="Big Shoulders Display"/>
               </a:rPr>
-              <a:t>Similarity</a:t>
+              <a:t>Content</a:t>
             </a:r>
             <a:r>
               <a:rPr lang="fa-IR" dirty="0">
@@ -2842,7 +2863,7 @@
               <a:rPr lang="en-US" dirty="0">
                 <a:latin typeface="Big Shoulders Display"/>
               </a:rPr>
-              <a:t>vs transaction</a:t>
+              <a:t>vs Transaction</a:t>
             </a:r>
           </a:p>
         </p:txBody>
@@ -2960,6 +2981,9 @@
   <p:clrMapOvr>
     <a:masterClrMapping/>
   </p:clrMapOvr>
+  <p:transition spd="slow">
+    <p:wipe dir="r"/>
+  </p:transition>
 </p:sld>
 </file>
 
@@ -3147,7 +3171,7 @@
         <p:spPr>
           <a:xfrm>
             <a:off x="450165" y="778835"/>
-            <a:ext cx="3678702" cy="1823576"/>
+            <a:ext cx="3678702" cy="1789529"/>
           </a:xfrm>
           <a:prstGeom prst="rect">
             <a:avLst/>
@@ -3178,7 +3202,7 @@
             </a:r>
           </a:p>
           <a:p>
-            <a:pPr marL="0" lvl="1" indent="-285750">
+            <a:pPr lvl="1" indent="-285750">
               <a:lnSpc>
                 <a:spcPts val="2700"/>
               </a:lnSpc>
@@ -3220,7 +3244,7 @@
             </a:endParaRPr>
           </a:p>
           <a:p>
-            <a:pPr marL="0" lvl="1" indent="-285750">
+            <a:pPr marL="457200" lvl="2" indent="-285750">
               <a:lnSpc>
                 <a:spcPts val="2700"/>
               </a:lnSpc>
@@ -3244,7 +3268,7 @@
             </a:endParaRPr>
           </a:p>
           <a:p>
-            <a:pPr marL="0" lvl="1" indent="-285750">
+            <a:pPr marL="457200" lvl="2" indent="-285750">
               <a:lnSpc>
                 <a:spcPts val="2700"/>
               </a:lnSpc>
@@ -3274,6 +3298,9 @@
   <p:clrMapOvr>
     <a:masterClrMapping/>
   </p:clrMapOvr>
+  <p:transition spd="slow">
+    <p:wipe dir="r"/>
+  </p:transition>
 </p:sld>
 </file>
 
@@ -3460,6 +3487,9 @@
   <p:clrMapOvr>
     <a:masterClrMapping/>
   </p:clrMapOvr>
+  <p:transition spd="slow">
+    <p:wipe dir="r"/>
+  </p:transition>
 </p:sld>
 </file>
 
